--- a/深度学习/自然语言处理/机器阅读理解/R-NET/images/绘图.pptx
+++ b/深度学习/自然语言处理/机器阅读理解/R-NET/images/绘图.pptx
@@ -6,19 +6,6 @@
   </p:sldMasterIdLst>
   <p:sldIdLst>
     <p:sldId id="256" r:id="rId2"/>
-    <p:sldId id="257" r:id="rId3"/>
-    <p:sldId id="258" r:id="rId4"/>
-    <p:sldId id="259" r:id="rId5"/>
-    <p:sldId id="260" r:id="rId6"/>
-    <p:sldId id="261" r:id="rId7"/>
-    <p:sldId id="262" r:id="rId8"/>
-    <p:sldId id="263" r:id="rId9"/>
-    <p:sldId id="264" r:id="rId10"/>
-    <p:sldId id="265" r:id="rId11"/>
-    <p:sldId id="266" r:id="rId12"/>
-    <p:sldId id="267" r:id="rId13"/>
-    <p:sldId id="268" r:id="rId14"/>
-    <p:sldId id="269" r:id="rId15"/>
   </p:sldIdLst>
   <p:sldSz cx="12192000" cy="6858000"/>
   <p:notesSz cx="6858000" cy="9144000"/>
@@ -117,6 +104,11 @@
       </a:defRPr>
     </a:lvl9pPr>
   </p:defaultTextStyle>
+  <p:extLst>
+    <p:ext uri="{EFAFB233-063F-42B5-8137-9DF3F51BA10A}">
+      <p15:sldGuideLst xmlns:p15="http://schemas.microsoft.com/office/powerpoint/2012/main"/>
+    </p:ext>
+  </p:extLst>
 </p:presentation>
 </file>
 
@@ -267,7 +259,7 @@
           <a:p>
             <a:fld id="{6DF58621-1BE5-42B3-BF5E-D806B2A373F3}" type="datetimeFigureOut">
               <a:rPr lang="zh-CN" altLang="en-US" smtClean="0"/>
-              <a:t>2021/2/26</a:t>
+              <a:t>2022/11/2</a:t>
             </a:fld>
             <a:endParaRPr lang="zh-CN" altLang="en-US"/>
           </a:p>
@@ -465,7 +457,7 @@
           <a:p>
             <a:fld id="{6DF58621-1BE5-42B3-BF5E-D806B2A373F3}" type="datetimeFigureOut">
               <a:rPr lang="zh-CN" altLang="en-US" smtClean="0"/>
-              <a:t>2021/2/26</a:t>
+              <a:t>2022/11/2</a:t>
             </a:fld>
             <a:endParaRPr lang="zh-CN" altLang="en-US"/>
           </a:p>
@@ -673,7 +665,7 @@
           <a:p>
             <a:fld id="{6DF58621-1BE5-42B3-BF5E-D806B2A373F3}" type="datetimeFigureOut">
               <a:rPr lang="zh-CN" altLang="en-US" smtClean="0"/>
-              <a:t>2021/2/26</a:t>
+              <a:t>2022/11/2</a:t>
             </a:fld>
             <a:endParaRPr lang="zh-CN" altLang="en-US"/>
           </a:p>
@@ -871,7 +863,7 @@
           <a:p>
             <a:fld id="{6DF58621-1BE5-42B3-BF5E-D806B2A373F3}" type="datetimeFigureOut">
               <a:rPr lang="zh-CN" altLang="en-US" smtClean="0"/>
-              <a:t>2021/2/26</a:t>
+              <a:t>2022/11/2</a:t>
             </a:fld>
             <a:endParaRPr lang="zh-CN" altLang="en-US"/>
           </a:p>
@@ -1146,7 +1138,7 @@
           <a:p>
             <a:fld id="{6DF58621-1BE5-42B3-BF5E-D806B2A373F3}" type="datetimeFigureOut">
               <a:rPr lang="zh-CN" altLang="en-US" smtClean="0"/>
-              <a:t>2021/2/26</a:t>
+              <a:t>2022/11/2</a:t>
             </a:fld>
             <a:endParaRPr lang="zh-CN" altLang="en-US"/>
           </a:p>
@@ -1411,7 +1403,7 @@
           <a:p>
             <a:fld id="{6DF58621-1BE5-42B3-BF5E-D806B2A373F3}" type="datetimeFigureOut">
               <a:rPr lang="zh-CN" altLang="en-US" smtClean="0"/>
-              <a:t>2021/2/26</a:t>
+              <a:t>2022/11/2</a:t>
             </a:fld>
             <a:endParaRPr lang="zh-CN" altLang="en-US"/>
           </a:p>
@@ -1823,7 +1815,7 @@
           <a:p>
             <a:fld id="{6DF58621-1BE5-42B3-BF5E-D806B2A373F3}" type="datetimeFigureOut">
               <a:rPr lang="zh-CN" altLang="en-US" smtClean="0"/>
-              <a:t>2021/2/26</a:t>
+              <a:t>2022/11/2</a:t>
             </a:fld>
             <a:endParaRPr lang="zh-CN" altLang="en-US"/>
           </a:p>
@@ -1964,7 +1956,7 @@
           <a:p>
             <a:fld id="{6DF58621-1BE5-42B3-BF5E-D806B2A373F3}" type="datetimeFigureOut">
               <a:rPr lang="zh-CN" altLang="en-US" smtClean="0"/>
-              <a:t>2021/2/26</a:t>
+              <a:t>2022/11/2</a:t>
             </a:fld>
             <a:endParaRPr lang="zh-CN" altLang="en-US"/>
           </a:p>
@@ -2077,7 +2069,7 @@
           <a:p>
             <a:fld id="{6DF58621-1BE5-42B3-BF5E-D806B2A373F3}" type="datetimeFigureOut">
               <a:rPr lang="zh-CN" altLang="en-US" smtClean="0"/>
-              <a:t>2021/2/26</a:t>
+              <a:t>2022/11/2</a:t>
             </a:fld>
             <a:endParaRPr lang="zh-CN" altLang="en-US"/>
           </a:p>
@@ -2388,7 +2380,7 @@
           <a:p>
             <a:fld id="{6DF58621-1BE5-42B3-BF5E-D806B2A373F3}" type="datetimeFigureOut">
               <a:rPr lang="zh-CN" altLang="en-US" smtClean="0"/>
-              <a:t>2021/2/26</a:t>
+              <a:t>2022/11/2</a:t>
             </a:fld>
             <a:endParaRPr lang="zh-CN" altLang="en-US"/>
           </a:p>
@@ -2676,7 +2668,7 @@
           <a:p>
             <a:fld id="{6DF58621-1BE5-42B3-BF5E-D806B2A373F3}" type="datetimeFigureOut">
               <a:rPr lang="zh-CN" altLang="en-US" smtClean="0"/>
-              <a:t>2021/2/26</a:t>
+              <a:t>2022/11/2</a:t>
             </a:fld>
             <a:endParaRPr lang="zh-CN" altLang="en-US"/>
           </a:p>
@@ -2917,7 +2909,7 @@
           <a:p>
             <a:fld id="{6DF58621-1BE5-42B3-BF5E-D806B2A373F3}" type="datetimeFigureOut">
               <a:rPr lang="zh-CN" altLang="en-US" smtClean="0"/>
-              <a:t>2021/2/26</a:t>
+              <a:t>2022/11/2</a:t>
             </a:fld>
             <a:endParaRPr lang="zh-CN" altLang="en-US"/>
           </a:p>
@@ -3776,8 +3768,8 @@
           </a:p>
         </p:txBody>
       </p:sp>
-      <mc:AlternateContent xmlns:mc="http://schemas.openxmlformats.org/markup-compatibility/2006">
-        <mc:Choice xmlns:a14="http://schemas.microsoft.com/office/drawing/2010/main" Requires="a14">
+      <mc:AlternateContent xmlns:mc="http://schemas.openxmlformats.org/markup-compatibility/2006" xmlns:a14="http://schemas.microsoft.com/office/drawing/2010/main">
+        <mc:Choice Requires="a14">
           <p:sp>
             <p:nvSpPr>
               <p:cNvPr id="12" name="文本框 11">
@@ -3806,6 +3798,7 @@
               </a:bodyPr>
               <a:lstStyle/>
               <a:p>
+                <a:pPr/>
                 <a14:m>
                   <m:oMathPara xmlns:m="http://schemas.openxmlformats.org/officeDocument/2006/math">
                     <m:oMathParaPr>
@@ -3853,7 +3846,7 @@
             </p:txBody>
           </p:sp>
         </mc:Choice>
-        <mc:Fallback>
+        <mc:Fallback xmlns="">
           <p:sp>
             <p:nvSpPr>
               <p:cNvPr id="12" name="文本框 11">
@@ -3898,8 +3891,8 @@
           </p:sp>
         </mc:Fallback>
       </mc:AlternateContent>
-      <mc:AlternateContent xmlns:mc="http://schemas.openxmlformats.org/markup-compatibility/2006">
-        <mc:Choice xmlns:a14="http://schemas.microsoft.com/office/drawing/2010/main" Requires="a14">
+      <mc:AlternateContent xmlns:mc="http://schemas.openxmlformats.org/markup-compatibility/2006" xmlns:a14="http://schemas.microsoft.com/office/drawing/2010/main">
+        <mc:Choice Requires="a14">
           <p:sp>
             <p:nvSpPr>
               <p:cNvPr id="13" name="文本框 12">
@@ -3928,6 +3921,7 @@
               </a:bodyPr>
               <a:lstStyle/>
               <a:p>
+                <a:pPr/>
                 <a14:m>
                   <m:oMathPara xmlns:m="http://schemas.openxmlformats.org/officeDocument/2006/math">
                     <m:oMathParaPr>
@@ -3975,7 +3969,7 @@
             </p:txBody>
           </p:sp>
         </mc:Choice>
-        <mc:Fallback>
+        <mc:Fallback xmlns="">
           <p:sp>
             <p:nvSpPr>
               <p:cNvPr id="13" name="文本框 12">
@@ -4124,8 +4118,8 @@
           </a:p>
         </p:txBody>
       </p:sp>
-      <mc:AlternateContent xmlns:mc="http://schemas.openxmlformats.org/markup-compatibility/2006">
-        <mc:Choice xmlns:a14="http://schemas.microsoft.com/office/drawing/2010/main" Requires="a14">
+      <mc:AlternateContent xmlns:mc="http://schemas.openxmlformats.org/markup-compatibility/2006" xmlns:a14="http://schemas.microsoft.com/office/drawing/2010/main">
+        <mc:Choice Requires="a14">
           <p:sp>
             <p:nvSpPr>
               <p:cNvPr id="16" name="文本框 15">
@@ -4154,6 +4148,7 @@
               </a:bodyPr>
               <a:lstStyle/>
               <a:p>
+                <a:pPr/>
                 <a14:m>
                   <m:oMathPara xmlns:m="http://schemas.openxmlformats.org/officeDocument/2006/math">
                     <m:oMathParaPr>
@@ -4180,7 +4175,7 @@
             </p:txBody>
           </p:sp>
         </mc:Choice>
-        <mc:Fallback>
+        <mc:Fallback xmlns="">
           <p:sp>
             <p:nvSpPr>
               <p:cNvPr id="16" name="文本框 15">
@@ -4225,8 +4220,8 @@
           </p:sp>
         </mc:Fallback>
       </mc:AlternateContent>
-      <mc:AlternateContent xmlns:mc="http://schemas.openxmlformats.org/markup-compatibility/2006">
-        <mc:Choice xmlns:a14="http://schemas.microsoft.com/office/drawing/2010/main" Requires="a14">
+      <mc:AlternateContent xmlns:mc="http://schemas.openxmlformats.org/markup-compatibility/2006" xmlns:a14="http://schemas.microsoft.com/office/drawing/2010/main">
+        <mc:Choice Requires="a14">
           <p:sp>
             <p:nvSpPr>
               <p:cNvPr id="17" name="文本框 16">
@@ -4255,6 +4250,7 @@
               </a:bodyPr>
               <a:lstStyle/>
               <a:p>
+                <a:pPr/>
                 <a14:m>
                   <m:oMathPara xmlns:m="http://schemas.openxmlformats.org/officeDocument/2006/math">
                     <m:oMathParaPr>
@@ -4281,7 +4277,7 @@
             </p:txBody>
           </p:sp>
         </mc:Choice>
-        <mc:Fallback>
+        <mc:Fallback xmlns="">
           <p:sp>
             <p:nvSpPr>
               <p:cNvPr id="17" name="文本框 16">
@@ -4330,1051 +4326,6 @@
     <p:extLst>
       <p:ext uri="{BB962C8B-B14F-4D97-AF65-F5344CB8AC3E}">
         <p14:creationId xmlns:p14="http://schemas.microsoft.com/office/powerpoint/2010/main" val="880365060"/>
-      </p:ext>
-    </p:extLst>
-  </p:cSld>
-  <p:clrMapOvr>
-    <a:masterClrMapping/>
-  </p:clrMapOvr>
-</p:sld>
-</file>
-
-<file path=ppt/slides/slide10.xml><?xml version="1.0" encoding="utf-8"?>
-<p:sld xmlns:a="http://schemas.openxmlformats.org/drawingml/2006/main" xmlns:r="http://schemas.openxmlformats.org/officeDocument/2006/relationships" xmlns:p="http://schemas.openxmlformats.org/presentationml/2006/main">
-  <p:cSld>
-    <p:spTree>
-      <p:nvGrpSpPr>
-        <p:cNvPr id="1" name=""/>
-        <p:cNvGrpSpPr/>
-        <p:nvPr/>
-      </p:nvGrpSpPr>
-      <p:grpSpPr>
-        <a:xfrm>
-          <a:off x="0" y="0"/>
-          <a:ext cx="0" cy="0"/>
-          <a:chOff x="0" y="0"/>
-          <a:chExt cx="0" cy="0"/>
-        </a:xfrm>
-      </p:grpSpPr>
-      <p:sp>
-        <p:nvSpPr>
-          <p:cNvPr id="2" name="标题 1">
-            <a:extLst>
-              <a:ext uri="{FF2B5EF4-FFF2-40B4-BE49-F238E27FC236}">
-                <a16:creationId xmlns:a16="http://schemas.microsoft.com/office/drawing/2014/main" id="{BD6A548E-DF7C-4762-AEB7-4719E63D0935}"/>
-              </a:ext>
-            </a:extLst>
-          </p:cNvPr>
-          <p:cNvSpPr>
-            <a:spLocks noGrp="1"/>
-          </p:cNvSpPr>
-          <p:nvPr>
-            <p:ph type="title"/>
-          </p:nvPr>
-        </p:nvSpPr>
-        <p:spPr/>
-        <p:txBody>
-          <a:bodyPr/>
-          <a:lstStyle/>
-          <a:p>
-            <a:endParaRPr lang="zh-CN" altLang="en-US"/>
-          </a:p>
-        </p:txBody>
-      </p:sp>
-      <p:sp>
-        <p:nvSpPr>
-          <p:cNvPr id="3" name="内容占位符 2">
-            <a:extLst>
-              <a:ext uri="{FF2B5EF4-FFF2-40B4-BE49-F238E27FC236}">
-                <a16:creationId xmlns:a16="http://schemas.microsoft.com/office/drawing/2014/main" id="{14A271E2-3A03-4751-B115-650E4C70D49D}"/>
-              </a:ext>
-            </a:extLst>
-          </p:cNvPr>
-          <p:cNvSpPr>
-            <a:spLocks noGrp="1"/>
-          </p:cNvSpPr>
-          <p:nvPr>
-            <p:ph idx="1"/>
-          </p:nvPr>
-        </p:nvSpPr>
-        <p:spPr/>
-        <p:txBody>
-          <a:bodyPr/>
-          <a:lstStyle/>
-          <a:p>
-            <a:endParaRPr lang="zh-CN" altLang="en-US"/>
-          </a:p>
-        </p:txBody>
-      </p:sp>
-    </p:spTree>
-    <p:extLst>
-      <p:ext uri="{BB962C8B-B14F-4D97-AF65-F5344CB8AC3E}">
-        <p14:creationId xmlns:p14="http://schemas.microsoft.com/office/powerpoint/2010/main" val="4072148130"/>
-      </p:ext>
-    </p:extLst>
-  </p:cSld>
-  <p:clrMapOvr>
-    <a:masterClrMapping/>
-  </p:clrMapOvr>
-</p:sld>
-</file>
-
-<file path=ppt/slides/slide11.xml><?xml version="1.0" encoding="utf-8"?>
-<p:sld xmlns:a="http://schemas.openxmlformats.org/drawingml/2006/main" xmlns:r="http://schemas.openxmlformats.org/officeDocument/2006/relationships" xmlns:p="http://schemas.openxmlformats.org/presentationml/2006/main">
-  <p:cSld>
-    <p:spTree>
-      <p:nvGrpSpPr>
-        <p:cNvPr id="1" name=""/>
-        <p:cNvGrpSpPr/>
-        <p:nvPr/>
-      </p:nvGrpSpPr>
-      <p:grpSpPr>
-        <a:xfrm>
-          <a:off x="0" y="0"/>
-          <a:ext cx="0" cy="0"/>
-          <a:chOff x="0" y="0"/>
-          <a:chExt cx="0" cy="0"/>
-        </a:xfrm>
-      </p:grpSpPr>
-      <p:sp>
-        <p:nvSpPr>
-          <p:cNvPr id="2" name="标题 1">
-            <a:extLst>
-              <a:ext uri="{FF2B5EF4-FFF2-40B4-BE49-F238E27FC236}">
-                <a16:creationId xmlns:a16="http://schemas.microsoft.com/office/drawing/2014/main" id="{0808CD77-E97C-47DD-B579-7B6F35423986}"/>
-              </a:ext>
-            </a:extLst>
-          </p:cNvPr>
-          <p:cNvSpPr>
-            <a:spLocks noGrp="1"/>
-          </p:cNvSpPr>
-          <p:nvPr>
-            <p:ph type="title"/>
-          </p:nvPr>
-        </p:nvSpPr>
-        <p:spPr/>
-        <p:txBody>
-          <a:bodyPr/>
-          <a:lstStyle/>
-          <a:p>
-            <a:endParaRPr lang="zh-CN" altLang="en-US"/>
-          </a:p>
-        </p:txBody>
-      </p:sp>
-      <p:sp>
-        <p:nvSpPr>
-          <p:cNvPr id="3" name="内容占位符 2">
-            <a:extLst>
-              <a:ext uri="{FF2B5EF4-FFF2-40B4-BE49-F238E27FC236}">
-                <a16:creationId xmlns:a16="http://schemas.microsoft.com/office/drawing/2014/main" id="{32BE4E59-DD30-4D61-9E17-BB9AE14AFA1C}"/>
-              </a:ext>
-            </a:extLst>
-          </p:cNvPr>
-          <p:cNvSpPr>
-            <a:spLocks noGrp="1"/>
-          </p:cNvSpPr>
-          <p:nvPr>
-            <p:ph idx="1"/>
-          </p:nvPr>
-        </p:nvSpPr>
-        <p:spPr/>
-        <p:txBody>
-          <a:bodyPr/>
-          <a:lstStyle/>
-          <a:p>
-            <a:endParaRPr lang="zh-CN" altLang="en-US"/>
-          </a:p>
-        </p:txBody>
-      </p:sp>
-    </p:spTree>
-    <p:extLst>
-      <p:ext uri="{BB962C8B-B14F-4D97-AF65-F5344CB8AC3E}">
-        <p14:creationId xmlns:p14="http://schemas.microsoft.com/office/powerpoint/2010/main" val="2349884606"/>
-      </p:ext>
-    </p:extLst>
-  </p:cSld>
-  <p:clrMapOvr>
-    <a:masterClrMapping/>
-  </p:clrMapOvr>
-</p:sld>
-</file>
-
-<file path=ppt/slides/slide12.xml><?xml version="1.0" encoding="utf-8"?>
-<p:sld xmlns:a="http://schemas.openxmlformats.org/drawingml/2006/main" xmlns:r="http://schemas.openxmlformats.org/officeDocument/2006/relationships" xmlns:p="http://schemas.openxmlformats.org/presentationml/2006/main">
-  <p:cSld>
-    <p:spTree>
-      <p:nvGrpSpPr>
-        <p:cNvPr id="1" name=""/>
-        <p:cNvGrpSpPr/>
-        <p:nvPr/>
-      </p:nvGrpSpPr>
-      <p:grpSpPr>
-        <a:xfrm>
-          <a:off x="0" y="0"/>
-          <a:ext cx="0" cy="0"/>
-          <a:chOff x="0" y="0"/>
-          <a:chExt cx="0" cy="0"/>
-        </a:xfrm>
-      </p:grpSpPr>
-      <p:sp>
-        <p:nvSpPr>
-          <p:cNvPr id="2" name="标题 1">
-            <a:extLst>
-              <a:ext uri="{FF2B5EF4-FFF2-40B4-BE49-F238E27FC236}">
-                <a16:creationId xmlns:a16="http://schemas.microsoft.com/office/drawing/2014/main" id="{22330864-EB9B-4BA3-AD64-321532C4B0D3}"/>
-              </a:ext>
-            </a:extLst>
-          </p:cNvPr>
-          <p:cNvSpPr>
-            <a:spLocks noGrp="1"/>
-          </p:cNvSpPr>
-          <p:nvPr>
-            <p:ph type="title"/>
-          </p:nvPr>
-        </p:nvSpPr>
-        <p:spPr/>
-        <p:txBody>
-          <a:bodyPr/>
-          <a:lstStyle/>
-          <a:p>
-            <a:endParaRPr lang="zh-CN" altLang="en-US"/>
-          </a:p>
-        </p:txBody>
-      </p:sp>
-      <p:sp>
-        <p:nvSpPr>
-          <p:cNvPr id="3" name="内容占位符 2">
-            <a:extLst>
-              <a:ext uri="{FF2B5EF4-FFF2-40B4-BE49-F238E27FC236}">
-                <a16:creationId xmlns:a16="http://schemas.microsoft.com/office/drawing/2014/main" id="{0A21C834-B118-449E-B0F8-615F51BC12A0}"/>
-              </a:ext>
-            </a:extLst>
-          </p:cNvPr>
-          <p:cNvSpPr>
-            <a:spLocks noGrp="1"/>
-          </p:cNvSpPr>
-          <p:nvPr>
-            <p:ph idx="1"/>
-          </p:nvPr>
-        </p:nvSpPr>
-        <p:spPr/>
-        <p:txBody>
-          <a:bodyPr/>
-          <a:lstStyle/>
-          <a:p>
-            <a:endParaRPr lang="zh-CN" altLang="en-US"/>
-          </a:p>
-        </p:txBody>
-      </p:sp>
-    </p:spTree>
-    <p:extLst>
-      <p:ext uri="{BB962C8B-B14F-4D97-AF65-F5344CB8AC3E}">
-        <p14:creationId xmlns:p14="http://schemas.microsoft.com/office/powerpoint/2010/main" val="1364450139"/>
-      </p:ext>
-    </p:extLst>
-  </p:cSld>
-  <p:clrMapOvr>
-    <a:masterClrMapping/>
-  </p:clrMapOvr>
-</p:sld>
-</file>
-
-<file path=ppt/slides/slide13.xml><?xml version="1.0" encoding="utf-8"?>
-<p:sld xmlns:a="http://schemas.openxmlformats.org/drawingml/2006/main" xmlns:r="http://schemas.openxmlformats.org/officeDocument/2006/relationships" xmlns:p="http://schemas.openxmlformats.org/presentationml/2006/main">
-  <p:cSld>
-    <p:spTree>
-      <p:nvGrpSpPr>
-        <p:cNvPr id="1" name=""/>
-        <p:cNvGrpSpPr/>
-        <p:nvPr/>
-      </p:nvGrpSpPr>
-      <p:grpSpPr>
-        <a:xfrm>
-          <a:off x="0" y="0"/>
-          <a:ext cx="0" cy="0"/>
-          <a:chOff x="0" y="0"/>
-          <a:chExt cx="0" cy="0"/>
-        </a:xfrm>
-      </p:grpSpPr>
-      <p:sp>
-        <p:nvSpPr>
-          <p:cNvPr id="2" name="标题 1">
-            <a:extLst>
-              <a:ext uri="{FF2B5EF4-FFF2-40B4-BE49-F238E27FC236}">
-                <a16:creationId xmlns:a16="http://schemas.microsoft.com/office/drawing/2014/main" id="{6A22012D-3BF9-4680-B404-64BFD68DAADE}"/>
-              </a:ext>
-            </a:extLst>
-          </p:cNvPr>
-          <p:cNvSpPr>
-            <a:spLocks noGrp="1"/>
-          </p:cNvSpPr>
-          <p:nvPr>
-            <p:ph type="title"/>
-          </p:nvPr>
-        </p:nvSpPr>
-        <p:spPr/>
-        <p:txBody>
-          <a:bodyPr/>
-          <a:lstStyle/>
-          <a:p>
-            <a:endParaRPr lang="zh-CN" altLang="en-US"/>
-          </a:p>
-        </p:txBody>
-      </p:sp>
-      <p:sp>
-        <p:nvSpPr>
-          <p:cNvPr id="3" name="内容占位符 2">
-            <a:extLst>
-              <a:ext uri="{FF2B5EF4-FFF2-40B4-BE49-F238E27FC236}">
-                <a16:creationId xmlns:a16="http://schemas.microsoft.com/office/drawing/2014/main" id="{2E1DA047-A436-4FB4-AD29-5A14D4C54CF1}"/>
-              </a:ext>
-            </a:extLst>
-          </p:cNvPr>
-          <p:cNvSpPr>
-            <a:spLocks noGrp="1"/>
-          </p:cNvSpPr>
-          <p:nvPr>
-            <p:ph idx="1"/>
-          </p:nvPr>
-        </p:nvSpPr>
-        <p:spPr/>
-        <p:txBody>
-          <a:bodyPr/>
-          <a:lstStyle/>
-          <a:p>
-            <a:endParaRPr lang="zh-CN" altLang="en-US"/>
-          </a:p>
-        </p:txBody>
-      </p:sp>
-    </p:spTree>
-    <p:extLst>
-      <p:ext uri="{BB962C8B-B14F-4D97-AF65-F5344CB8AC3E}">
-        <p14:creationId xmlns:p14="http://schemas.microsoft.com/office/powerpoint/2010/main" val="724397305"/>
-      </p:ext>
-    </p:extLst>
-  </p:cSld>
-  <p:clrMapOvr>
-    <a:masterClrMapping/>
-  </p:clrMapOvr>
-</p:sld>
-</file>
-
-<file path=ppt/slides/slide14.xml><?xml version="1.0" encoding="utf-8"?>
-<p:sld xmlns:a="http://schemas.openxmlformats.org/drawingml/2006/main" xmlns:r="http://schemas.openxmlformats.org/officeDocument/2006/relationships" xmlns:p="http://schemas.openxmlformats.org/presentationml/2006/main">
-  <p:cSld>
-    <p:spTree>
-      <p:nvGrpSpPr>
-        <p:cNvPr id="1" name=""/>
-        <p:cNvGrpSpPr/>
-        <p:nvPr/>
-      </p:nvGrpSpPr>
-      <p:grpSpPr>
-        <a:xfrm>
-          <a:off x="0" y="0"/>
-          <a:ext cx="0" cy="0"/>
-          <a:chOff x="0" y="0"/>
-          <a:chExt cx="0" cy="0"/>
-        </a:xfrm>
-      </p:grpSpPr>
-      <p:sp>
-        <p:nvSpPr>
-          <p:cNvPr id="2" name="标题 1">
-            <a:extLst>
-              <a:ext uri="{FF2B5EF4-FFF2-40B4-BE49-F238E27FC236}">
-                <a16:creationId xmlns:a16="http://schemas.microsoft.com/office/drawing/2014/main" id="{C554FB3C-7DD4-469A-BA92-B62C6307305C}"/>
-              </a:ext>
-            </a:extLst>
-          </p:cNvPr>
-          <p:cNvSpPr>
-            <a:spLocks noGrp="1"/>
-          </p:cNvSpPr>
-          <p:nvPr>
-            <p:ph type="title"/>
-          </p:nvPr>
-        </p:nvSpPr>
-        <p:spPr/>
-        <p:txBody>
-          <a:bodyPr/>
-          <a:lstStyle/>
-          <a:p>
-            <a:endParaRPr lang="zh-CN" altLang="en-US"/>
-          </a:p>
-        </p:txBody>
-      </p:sp>
-      <p:sp>
-        <p:nvSpPr>
-          <p:cNvPr id="3" name="内容占位符 2">
-            <a:extLst>
-              <a:ext uri="{FF2B5EF4-FFF2-40B4-BE49-F238E27FC236}">
-                <a16:creationId xmlns:a16="http://schemas.microsoft.com/office/drawing/2014/main" id="{4346195B-BD52-49B5-B02B-2EC04AAC52F4}"/>
-              </a:ext>
-            </a:extLst>
-          </p:cNvPr>
-          <p:cNvSpPr>
-            <a:spLocks noGrp="1"/>
-          </p:cNvSpPr>
-          <p:nvPr>
-            <p:ph idx="1"/>
-          </p:nvPr>
-        </p:nvSpPr>
-        <p:spPr/>
-        <p:txBody>
-          <a:bodyPr/>
-          <a:lstStyle/>
-          <a:p>
-            <a:endParaRPr lang="zh-CN" altLang="en-US"/>
-          </a:p>
-        </p:txBody>
-      </p:sp>
-    </p:spTree>
-    <p:extLst>
-      <p:ext uri="{BB962C8B-B14F-4D97-AF65-F5344CB8AC3E}">
-        <p14:creationId xmlns:p14="http://schemas.microsoft.com/office/powerpoint/2010/main" val="4095802403"/>
-      </p:ext>
-    </p:extLst>
-  </p:cSld>
-  <p:clrMapOvr>
-    <a:masterClrMapping/>
-  </p:clrMapOvr>
-</p:sld>
-</file>
-
-<file path=ppt/slides/slide2.xml><?xml version="1.0" encoding="utf-8"?>
-<p:sld xmlns:a="http://schemas.openxmlformats.org/drawingml/2006/main" xmlns:r="http://schemas.openxmlformats.org/officeDocument/2006/relationships" xmlns:p="http://schemas.openxmlformats.org/presentationml/2006/main">
-  <p:cSld>
-    <p:spTree>
-      <p:nvGrpSpPr>
-        <p:cNvPr id="1" name=""/>
-        <p:cNvGrpSpPr/>
-        <p:nvPr/>
-      </p:nvGrpSpPr>
-      <p:grpSpPr>
-        <a:xfrm>
-          <a:off x="0" y="0"/>
-          <a:ext cx="0" cy="0"/>
-          <a:chOff x="0" y="0"/>
-          <a:chExt cx="0" cy="0"/>
-        </a:xfrm>
-      </p:grpSpPr>
-      <p:sp>
-        <p:nvSpPr>
-          <p:cNvPr id="2" name="标题 1">
-            <a:extLst>
-              <a:ext uri="{FF2B5EF4-FFF2-40B4-BE49-F238E27FC236}">
-                <a16:creationId xmlns:a16="http://schemas.microsoft.com/office/drawing/2014/main" id="{374737F0-F19C-48F2-8CF8-EBDEB4A16F41}"/>
-              </a:ext>
-            </a:extLst>
-          </p:cNvPr>
-          <p:cNvSpPr>
-            <a:spLocks noGrp="1"/>
-          </p:cNvSpPr>
-          <p:nvPr>
-            <p:ph type="title"/>
-          </p:nvPr>
-        </p:nvSpPr>
-        <p:spPr/>
-        <p:txBody>
-          <a:bodyPr/>
-          <a:lstStyle/>
-          <a:p>
-            <a:endParaRPr lang="zh-CN" altLang="en-US"/>
-          </a:p>
-        </p:txBody>
-      </p:sp>
-      <p:sp>
-        <p:nvSpPr>
-          <p:cNvPr id="3" name="内容占位符 2">
-            <a:extLst>
-              <a:ext uri="{FF2B5EF4-FFF2-40B4-BE49-F238E27FC236}">
-                <a16:creationId xmlns:a16="http://schemas.microsoft.com/office/drawing/2014/main" id="{BE4073FA-0EDF-4A61-A2F4-5F3668C6E1B5}"/>
-              </a:ext>
-            </a:extLst>
-          </p:cNvPr>
-          <p:cNvSpPr>
-            <a:spLocks noGrp="1"/>
-          </p:cNvSpPr>
-          <p:nvPr>
-            <p:ph idx="1"/>
-          </p:nvPr>
-        </p:nvSpPr>
-        <p:spPr/>
-        <p:txBody>
-          <a:bodyPr/>
-          <a:lstStyle/>
-          <a:p>
-            <a:endParaRPr lang="zh-CN" altLang="en-US"/>
-          </a:p>
-        </p:txBody>
-      </p:sp>
-    </p:spTree>
-    <p:extLst>
-      <p:ext uri="{BB962C8B-B14F-4D97-AF65-F5344CB8AC3E}">
-        <p14:creationId xmlns:p14="http://schemas.microsoft.com/office/powerpoint/2010/main" val="616593275"/>
-      </p:ext>
-    </p:extLst>
-  </p:cSld>
-  <p:clrMapOvr>
-    <a:masterClrMapping/>
-  </p:clrMapOvr>
-</p:sld>
-</file>
-
-<file path=ppt/slides/slide3.xml><?xml version="1.0" encoding="utf-8"?>
-<p:sld xmlns:a="http://schemas.openxmlformats.org/drawingml/2006/main" xmlns:r="http://schemas.openxmlformats.org/officeDocument/2006/relationships" xmlns:p="http://schemas.openxmlformats.org/presentationml/2006/main">
-  <p:cSld>
-    <p:spTree>
-      <p:nvGrpSpPr>
-        <p:cNvPr id="1" name=""/>
-        <p:cNvGrpSpPr/>
-        <p:nvPr/>
-      </p:nvGrpSpPr>
-      <p:grpSpPr>
-        <a:xfrm>
-          <a:off x="0" y="0"/>
-          <a:ext cx="0" cy="0"/>
-          <a:chOff x="0" y="0"/>
-          <a:chExt cx="0" cy="0"/>
-        </a:xfrm>
-      </p:grpSpPr>
-      <p:sp>
-        <p:nvSpPr>
-          <p:cNvPr id="2" name="标题 1">
-            <a:extLst>
-              <a:ext uri="{FF2B5EF4-FFF2-40B4-BE49-F238E27FC236}">
-                <a16:creationId xmlns:a16="http://schemas.microsoft.com/office/drawing/2014/main" id="{120927E8-4FC8-41C2-91F3-BE46E57F38AB}"/>
-              </a:ext>
-            </a:extLst>
-          </p:cNvPr>
-          <p:cNvSpPr>
-            <a:spLocks noGrp="1"/>
-          </p:cNvSpPr>
-          <p:nvPr>
-            <p:ph type="title"/>
-          </p:nvPr>
-        </p:nvSpPr>
-        <p:spPr/>
-        <p:txBody>
-          <a:bodyPr/>
-          <a:lstStyle/>
-          <a:p>
-            <a:endParaRPr lang="zh-CN" altLang="en-US"/>
-          </a:p>
-        </p:txBody>
-      </p:sp>
-      <p:sp>
-        <p:nvSpPr>
-          <p:cNvPr id="3" name="内容占位符 2">
-            <a:extLst>
-              <a:ext uri="{FF2B5EF4-FFF2-40B4-BE49-F238E27FC236}">
-                <a16:creationId xmlns:a16="http://schemas.microsoft.com/office/drawing/2014/main" id="{349C08ED-E70F-4DB9-BA53-D42EBBACA976}"/>
-              </a:ext>
-            </a:extLst>
-          </p:cNvPr>
-          <p:cNvSpPr>
-            <a:spLocks noGrp="1"/>
-          </p:cNvSpPr>
-          <p:nvPr>
-            <p:ph idx="1"/>
-          </p:nvPr>
-        </p:nvSpPr>
-        <p:spPr/>
-        <p:txBody>
-          <a:bodyPr/>
-          <a:lstStyle/>
-          <a:p>
-            <a:endParaRPr lang="zh-CN" altLang="en-US"/>
-          </a:p>
-        </p:txBody>
-      </p:sp>
-    </p:spTree>
-    <p:extLst>
-      <p:ext uri="{BB962C8B-B14F-4D97-AF65-F5344CB8AC3E}">
-        <p14:creationId xmlns:p14="http://schemas.microsoft.com/office/powerpoint/2010/main" val="89928091"/>
-      </p:ext>
-    </p:extLst>
-  </p:cSld>
-  <p:clrMapOvr>
-    <a:masterClrMapping/>
-  </p:clrMapOvr>
-</p:sld>
-</file>
-
-<file path=ppt/slides/slide4.xml><?xml version="1.0" encoding="utf-8"?>
-<p:sld xmlns:a="http://schemas.openxmlformats.org/drawingml/2006/main" xmlns:r="http://schemas.openxmlformats.org/officeDocument/2006/relationships" xmlns:p="http://schemas.openxmlformats.org/presentationml/2006/main">
-  <p:cSld>
-    <p:spTree>
-      <p:nvGrpSpPr>
-        <p:cNvPr id="1" name=""/>
-        <p:cNvGrpSpPr/>
-        <p:nvPr/>
-      </p:nvGrpSpPr>
-      <p:grpSpPr>
-        <a:xfrm>
-          <a:off x="0" y="0"/>
-          <a:ext cx="0" cy="0"/>
-          <a:chOff x="0" y="0"/>
-          <a:chExt cx="0" cy="0"/>
-        </a:xfrm>
-      </p:grpSpPr>
-      <p:sp>
-        <p:nvSpPr>
-          <p:cNvPr id="2" name="标题 1">
-            <a:extLst>
-              <a:ext uri="{FF2B5EF4-FFF2-40B4-BE49-F238E27FC236}">
-                <a16:creationId xmlns:a16="http://schemas.microsoft.com/office/drawing/2014/main" id="{C5FAA1B9-5233-43EB-814E-3502889D4783}"/>
-              </a:ext>
-            </a:extLst>
-          </p:cNvPr>
-          <p:cNvSpPr>
-            <a:spLocks noGrp="1"/>
-          </p:cNvSpPr>
-          <p:nvPr>
-            <p:ph type="title"/>
-          </p:nvPr>
-        </p:nvSpPr>
-        <p:spPr/>
-        <p:txBody>
-          <a:bodyPr/>
-          <a:lstStyle/>
-          <a:p>
-            <a:endParaRPr lang="zh-CN" altLang="en-US"/>
-          </a:p>
-        </p:txBody>
-      </p:sp>
-      <p:sp>
-        <p:nvSpPr>
-          <p:cNvPr id="3" name="内容占位符 2">
-            <a:extLst>
-              <a:ext uri="{FF2B5EF4-FFF2-40B4-BE49-F238E27FC236}">
-                <a16:creationId xmlns:a16="http://schemas.microsoft.com/office/drawing/2014/main" id="{7AE7126A-FED4-4EC1-9510-B19944F3A226}"/>
-              </a:ext>
-            </a:extLst>
-          </p:cNvPr>
-          <p:cNvSpPr>
-            <a:spLocks noGrp="1"/>
-          </p:cNvSpPr>
-          <p:nvPr>
-            <p:ph idx="1"/>
-          </p:nvPr>
-        </p:nvSpPr>
-        <p:spPr/>
-        <p:txBody>
-          <a:bodyPr/>
-          <a:lstStyle/>
-          <a:p>
-            <a:endParaRPr lang="zh-CN" altLang="en-US"/>
-          </a:p>
-        </p:txBody>
-      </p:sp>
-    </p:spTree>
-    <p:extLst>
-      <p:ext uri="{BB962C8B-B14F-4D97-AF65-F5344CB8AC3E}">
-        <p14:creationId xmlns:p14="http://schemas.microsoft.com/office/powerpoint/2010/main" val="1848757877"/>
-      </p:ext>
-    </p:extLst>
-  </p:cSld>
-  <p:clrMapOvr>
-    <a:masterClrMapping/>
-  </p:clrMapOvr>
-</p:sld>
-</file>
-
-<file path=ppt/slides/slide5.xml><?xml version="1.0" encoding="utf-8"?>
-<p:sld xmlns:a="http://schemas.openxmlformats.org/drawingml/2006/main" xmlns:r="http://schemas.openxmlformats.org/officeDocument/2006/relationships" xmlns:p="http://schemas.openxmlformats.org/presentationml/2006/main">
-  <p:cSld>
-    <p:spTree>
-      <p:nvGrpSpPr>
-        <p:cNvPr id="1" name=""/>
-        <p:cNvGrpSpPr/>
-        <p:nvPr/>
-      </p:nvGrpSpPr>
-      <p:grpSpPr>
-        <a:xfrm>
-          <a:off x="0" y="0"/>
-          <a:ext cx="0" cy="0"/>
-          <a:chOff x="0" y="0"/>
-          <a:chExt cx="0" cy="0"/>
-        </a:xfrm>
-      </p:grpSpPr>
-      <p:sp>
-        <p:nvSpPr>
-          <p:cNvPr id="2" name="标题 1">
-            <a:extLst>
-              <a:ext uri="{FF2B5EF4-FFF2-40B4-BE49-F238E27FC236}">
-                <a16:creationId xmlns:a16="http://schemas.microsoft.com/office/drawing/2014/main" id="{7E8376BA-69D5-44B5-8B4C-A4244BB2A8C6}"/>
-              </a:ext>
-            </a:extLst>
-          </p:cNvPr>
-          <p:cNvSpPr>
-            <a:spLocks noGrp="1"/>
-          </p:cNvSpPr>
-          <p:nvPr>
-            <p:ph type="title"/>
-          </p:nvPr>
-        </p:nvSpPr>
-        <p:spPr/>
-        <p:txBody>
-          <a:bodyPr/>
-          <a:lstStyle/>
-          <a:p>
-            <a:endParaRPr lang="zh-CN" altLang="en-US"/>
-          </a:p>
-        </p:txBody>
-      </p:sp>
-      <p:sp>
-        <p:nvSpPr>
-          <p:cNvPr id="3" name="内容占位符 2">
-            <a:extLst>
-              <a:ext uri="{FF2B5EF4-FFF2-40B4-BE49-F238E27FC236}">
-                <a16:creationId xmlns:a16="http://schemas.microsoft.com/office/drawing/2014/main" id="{00D9241B-6005-45A5-9D41-6DE0D4562C52}"/>
-              </a:ext>
-            </a:extLst>
-          </p:cNvPr>
-          <p:cNvSpPr>
-            <a:spLocks noGrp="1"/>
-          </p:cNvSpPr>
-          <p:nvPr>
-            <p:ph idx="1"/>
-          </p:nvPr>
-        </p:nvSpPr>
-        <p:spPr/>
-        <p:txBody>
-          <a:bodyPr/>
-          <a:lstStyle/>
-          <a:p>
-            <a:endParaRPr lang="zh-CN" altLang="en-US"/>
-          </a:p>
-        </p:txBody>
-      </p:sp>
-    </p:spTree>
-    <p:extLst>
-      <p:ext uri="{BB962C8B-B14F-4D97-AF65-F5344CB8AC3E}">
-        <p14:creationId xmlns:p14="http://schemas.microsoft.com/office/powerpoint/2010/main" val="4047700854"/>
-      </p:ext>
-    </p:extLst>
-  </p:cSld>
-  <p:clrMapOvr>
-    <a:masterClrMapping/>
-  </p:clrMapOvr>
-</p:sld>
-</file>
-
-<file path=ppt/slides/slide6.xml><?xml version="1.0" encoding="utf-8"?>
-<p:sld xmlns:a="http://schemas.openxmlformats.org/drawingml/2006/main" xmlns:r="http://schemas.openxmlformats.org/officeDocument/2006/relationships" xmlns:p="http://schemas.openxmlformats.org/presentationml/2006/main">
-  <p:cSld>
-    <p:spTree>
-      <p:nvGrpSpPr>
-        <p:cNvPr id="1" name=""/>
-        <p:cNvGrpSpPr/>
-        <p:nvPr/>
-      </p:nvGrpSpPr>
-      <p:grpSpPr>
-        <a:xfrm>
-          <a:off x="0" y="0"/>
-          <a:ext cx="0" cy="0"/>
-          <a:chOff x="0" y="0"/>
-          <a:chExt cx="0" cy="0"/>
-        </a:xfrm>
-      </p:grpSpPr>
-      <p:sp>
-        <p:nvSpPr>
-          <p:cNvPr id="2" name="标题 1">
-            <a:extLst>
-              <a:ext uri="{FF2B5EF4-FFF2-40B4-BE49-F238E27FC236}">
-                <a16:creationId xmlns:a16="http://schemas.microsoft.com/office/drawing/2014/main" id="{E33E0501-5243-4F41-8DD3-C1D56323AF66}"/>
-              </a:ext>
-            </a:extLst>
-          </p:cNvPr>
-          <p:cNvSpPr>
-            <a:spLocks noGrp="1"/>
-          </p:cNvSpPr>
-          <p:nvPr>
-            <p:ph type="title"/>
-          </p:nvPr>
-        </p:nvSpPr>
-        <p:spPr/>
-        <p:txBody>
-          <a:bodyPr/>
-          <a:lstStyle/>
-          <a:p>
-            <a:endParaRPr lang="zh-CN" altLang="en-US"/>
-          </a:p>
-        </p:txBody>
-      </p:sp>
-      <p:sp>
-        <p:nvSpPr>
-          <p:cNvPr id="3" name="内容占位符 2">
-            <a:extLst>
-              <a:ext uri="{FF2B5EF4-FFF2-40B4-BE49-F238E27FC236}">
-                <a16:creationId xmlns:a16="http://schemas.microsoft.com/office/drawing/2014/main" id="{D09AC88B-B3D7-4345-9191-448BBA448CA3}"/>
-              </a:ext>
-            </a:extLst>
-          </p:cNvPr>
-          <p:cNvSpPr>
-            <a:spLocks noGrp="1"/>
-          </p:cNvSpPr>
-          <p:nvPr>
-            <p:ph idx="1"/>
-          </p:nvPr>
-        </p:nvSpPr>
-        <p:spPr>
-          <a:xfrm>
-            <a:off x="692285" y="1903446"/>
-            <a:ext cx="10515600" cy="4351338"/>
-          </a:xfrm>
-        </p:spPr>
-        <p:txBody>
-          <a:bodyPr/>
-          <a:lstStyle/>
-          <a:p>
-            <a:endParaRPr lang="zh-CN" altLang="en-US"/>
-          </a:p>
-        </p:txBody>
-      </p:sp>
-    </p:spTree>
-    <p:extLst>
-      <p:ext uri="{BB962C8B-B14F-4D97-AF65-F5344CB8AC3E}">
-        <p14:creationId xmlns:p14="http://schemas.microsoft.com/office/powerpoint/2010/main" val="3308907130"/>
-      </p:ext>
-    </p:extLst>
-  </p:cSld>
-  <p:clrMapOvr>
-    <a:masterClrMapping/>
-  </p:clrMapOvr>
-</p:sld>
-</file>
-
-<file path=ppt/slides/slide7.xml><?xml version="1.0" encoding="utf-8"?>
-<p:sld xmlns:a="http://schemas.openxmlformats.org/drawingml/2006/main" xmlns:r="http://schemas.openxmlformats.org/officeDocument/2006/relationships" xmlns:p="http://schemas.openxmlformats.org/presentationml/2006/main">
-  <p:cSld>
-    <p:spTree>
-      <p:nvGrpSpPr>
-        <p:cNvPr id="1" name=""/>
-        <p:cNvGrpSpPr/>
-        <p:nvPr/>
-      </p:nvGrpSpPr>
-      <p:grpSpPr>
-        <a:xfrm>
-          <a:off x="0" y="0"/>
-          <a:ext cx="0" cy="0"/>
-          <a:chOff x="0" y="0"/>
-          <a:chExt cx="0" cy="0"/>
-        </a:xfrm>
-      </p:grpSpPr>
-      <p:sp>
-        <p:nvSpPr>
-          <p:cNvPr id="2" name="标题 1">
-            <a:extLst>
-              <a:ext uri="{FF2B5EF4-FFF2-40B4-BE49-F238E27FC236}">
-                <a16:creationId xmlns:a16="http://schemas.microsoft.com/office/drawing/2014/main" id="{A412E218-BF78-4B24-BBA4-58D6D489B95D}"/>
-              </a:ext>
-            </a:extLst>
-          </p:cNvPr>
-          <p:cNvSpPr>
-            <a:spLocks noGrp="1"/>
-          </p:cNvSpPr>
-          <p:nvPr>
-            <p:ph type="title"/>
-          </p:nvPr>
-        </p:nvSpPr>
-        <p:spPr/>
-        <p:txBody>
-          <a:bodyPr/>
-          <a:lstStyle/>
-          <a:p>
-            <a:endParaRPr lang="zh-CN" altLang="en-US"/>
-          </a:p>
-        </p:txBody>
-      </p:sp>
-      <p:sp>
-        <p:nvSpPr>
-          <p:cNvPr id="3" name="内容占位符 2">
-            <a:extLst>
-              <a:ext uri="{FF2B5EF4-FFF2-40B4-BE49-F238E27FC236}">
-                <a16:creationId xmlns:a16="http://schemas.microsoft.com/office/drawing/2014/main" id="{0402B15A-165B-405C-8B88-8A29D42F3B06}"/>
-              </a:ext>
-            </a:extLst>
-          </p:cNvPr>
-          <p:cNvSpPr>
-            <a:spLocks noGrp="1"/>
-          </p:cNvSpPr>
-          <p:nvPr>
-            <p:ph idx="1"/>
-          </p:nvPr>
-        </p:nvSpPr>
-        <p:spPr/>
-        <p:txBody>
-          <a:bodyPr/>
-          <a:lstStyle/>
-          <a:p>
-            <a:endParaRPr lang="zh-CN" altLang="en-US"/>
-          </a:p>
-        </p:txBody>
-      </p:sp>
-    </p:spTree>
-    <p:extLst>
-      <p:ext uri="{BB962C8B-B14F-4D97-AF65-F5344CB8AC3E}">
-        <p14:creationId xmlns:p14="http://schemas.microsoft.com/office/powerpoint/2010/main" val="1526629743"/>
-      </p:ext>
-    </p:extLst>
-  </p:cSld>
-  <p:clrMapOvr>
-    <a:masterClrMapping/>
-  </p:clrMapOvr>
-</p:sld>
-</file>
-
-<file path=ppt/slides/slide8.xml><?xml version="1.0" encoding="utf-8"?>
-<p:sld xmlns:a="http://schemas.openxmlformats.org/drawingml/2006/main" xmlns:r="http://schemas.openxmlformats.org/officeDocument/2006/relationships" xmlns:p="http://schemas.openxmlformats.org/presentationml/2006/main">
-  <p:cSld>
-    <p:spTree>
-      <p:nvGrpSpPr>
-        <p:cNvPr id="1" name=""/>
-        <p:cNvGrpSpPr/>
-        <p:nvPr/>
-      </p:nvGrpSpPr>
-      <p:grpSpPr>
-        <a:xfrm>
-          <a:off x="0" y="0"/>
-          <a:ext cx="0" cy="0"/>
-          <a:chOff x="0" y="0"/>
-          <a:chExt cx="0" cy="0"/>
-        </a:xfrm>
-      </p:grpSpPr>
-      <p:sp>
-        <p:nvSpPr>
-          <p:cNvPr id="2" name="标题 1">
-            <a:extLst>
-              <a:ext uri="{FF2B5EF4-FFF2-40B4-BE49-F238E27FC236}">
-                <a16:creationId xmlns:a16="http://schemas.microsoft.com/office/drawing/2014/main" id="{8E8CF9A1-8436-4D08-8448-08D2417ED09F}"/>
-              </a:ext>
-            </a:extLst>
-          </p:cNvPr>
-          <p:cNvSpPr>
-            <a:spLocks noGrp="1"/>
-          </p:cNvSpPr>
-          <p:nvPr>
-            <p:ph type="title"/>
-          </p:nvPr>
-        </p:nvSpPr>
-        <p:spPr/>
-        <p:txBody>
-          <a:bodyPr/>
-          <a:lstStyle/>
-          <a:p>
-            <a:endParaRPr lang="zh-CN" altLang="en-US"/>
-          </a:p>
-        </p:txBody>
-      </p:sp>
-      <p:sp>
-        <p:nvSpPr>
-          <p:cNvPr id="3" name="内容占位符 2">
-            <a:extLst>
-              <a:ext uri="{FF2B5EF4-FFF2-40B4-BE49-F238E27FC236}">
-                <a16:creationId xmlns:a16="http://schemas.microsoft.com/office/drawing/2014/main" id="{D8FB50AB-E3B2-49A5-A774-11DD209D1B15}"/>
-              </a:ext>
-            </a:extLst>
-          </p:cNvPr>
-          <p:cNvSpPr>
-            <a:spLocks noGrp="1"/>
-          </p:cNvSpPr>
-          <p:nvPr>
-            <p:ph idx="1"/>
-          </p:nvPr>
-        </p:nvSpPr>
-        <p:spPr/>
-        <p:txBody>
-          <a:bodyPr/>
-          <a:lstStyle/>
-          <a:p>
-            <a:endParaRPr lang="zh-CN" altLang="en-US"/>
-          </a:p>
-        </p:txBody>
-      </p:sp>
-    </p:spTree>
-    <p:extLst>
-      <p:ext uri="{BB962C8B-B14F-4D97-AF65-F5344CB8AC3E}">
-        <p14:creationId xmlns:p14="http://schemas.microsoft.com/office/powerpoint/2010/main" val="2413855309"/>
-      </p:ext>
-    </p:extLst>
-  </p:cSld>
-  <p:clrMapOvr>
-    <a:masterClrMapping/>
-  </p:clrMapOvr>
-</p:sld>
-</file>
-
-<file path=ppt/slides/slide9.xml><?xml version="1.0" encoding="utf-8"?>
-<p:sld xmlns:a="http://schemas.openxmlformats.org/drawingml/2006/main" xmlns:r="http://schemas.openxmlformats.org/officeDocument/2006/relationships" xmlns:p="http://schemas.openxmlformats.org/presentationml/2006/main">
-  <p:cSld>
-    <p:spTree>
-      <p:nvGrpSpPr>
-        <p:cNvPr id="1" name=""/>
-        <p:cNvGrpSpPr/>
-        <p:nvPr/>
-      </p:nvGrpSpPr>
-      <p:grpSpPr>
-        <a:xfrm>
-          <a:off x="0" y="0"/>
-          <a:ext cx="0" cy="0"/>
-          <a:chOff x="0" y="0"/>
-          <a:chExt cx="0" cy="0"/>
-        </a:xfrm>
-      </p:grpSpPr>
-      <p:sp>
-        <p:nvSpPr>
-          <p:cNvPr id="2" name="标题 1">
-            <a:extLst>
-              <a:ext uri="{FF2B5EF4-FFF2-40B4-BE49-F238E27FC236}">
-                <a16:creationId xmlns:a16="http://schemas.microsoft.com/office/drawing/2014/main" id="{B21F7B66-14FA-4DDB-965D-6E333DCCD842}"/>
-              </a:ext>
-            </a:extLst>
-          </p:cNvPr>
-          <p:cNvSpPr>
-            <a:spLocks noGrp="1"/>
-          </p:cNvSpPr>
-          <p:nvPr>
-            <p:ph type="title"/>
-          </p:nvPr>
-        </p:nvSpPr>
-        <p:spPr/>
-        <p:txBody>
-          <a:bodyPr/>
-          <a:lstStyle/>
-          <a:p>
-            <a:endParaRPr lang="zh-CN" altLang="en-US"/>
-          </a:p>
-        </p:txBody>
-      </p:sp>
-      <p:sp>
-        <p:nvSpPr>
-          <p:cNvPr id="3" name="内容占位符 2">
-            <a:extLst>
-              <a:ext uri="{FF2B5EF4-FFF2-40B4-BE49-F238E27FC236}">
-                <a16:creationId xmlns:a16="http://schemas.microsoft.com/office/drawing/2014/main" id="{7972239C-5886-48FE-86A7-C313BDE9CF8D}"/>
-              </a:ext>
-            </a:extLst>
-          </p:cNvPr>
-          <p:cNvSpPr>
-            <a:spLocks noGrp="1"/>
-          </p:cNvSpPr>
-          <p:nvPr>
-            <p:ph idx="1"/>
-          </p:nvPr>
-        </p:nvSpPr>
-        <p:spPr/>
-        <p:txBody>
-          <a:bodyPr/>
-          <a:lstStyle/>
-          <a:p>
-            <a:endParaRPr lang="zh-CN" altLang="en-US"/>
-          </a:p>
-        </p:txBody>
-      </p:sp>
-    </p:spTree>
-    <p:extLst>
-      <p:ext uri="{BB962C8B-B14F-4D97-AF65-F5344CB8AC3E}">
-        <p14:creationId xmlns:p14="http://schemas.microsoft.com/office/powerpoint/2010/main" val="3339011949"/>
       </p:ext>
     </p:extLst>
   </p:cSld>
